--- a/WHI_Presentation.pptx
+++ b/WHI_Presentation.pptx
@@ -8,8 +8,11 @@
     <p:sldId id="256" r:id="rId2"/>
     <p:sldId id="257" r:id="rId3"/>
     <p:sldId id="258" r:id="rId4"/>
-    <p:sldId id="259" r:id="rId5"/>
-    <p:sldId id="260" r:id="rId6"/>
+    <p:sldId id="262" r:id="rId5"/>
+    <p:sldId id="259" r:id="rId6"/>
+    <p:sldId id="260" r:id="rId7"/>
+    <p:sldId id="264" r:id="rId8"/>
+    <p:sldId id="263" r:id="rId9"/>
   </p:sldIdLst>
   <p:sldSz cx="12192000" cy="6858000"/>
   <p:notesSz cx="6858000" cy="9144000"/>
@@ -116,11 +119,17 @@
             <p14:sldId id="256"/>
             <p14:sldId id="257"/>
             <p14:sldId id="258"/>
+            <p14:sldId id="262"/>
             <p14:sldId id="259"/>
             <p14:sldId id="260"/>
+            <p14:sldId id="264"/>
+            <p14:sldId id="263"/>
           </p14:sldIdLst>
         </p14:section>
       </p14:sectionLst>
+    </p:ext>
+    <p:ext uri="{EFAFB233-063F-42B5-8137-9DF3F51BA10A}">
+      <p15:sldGuideLst xmlns:p15="http://schemas.microsoft.com/office/powerpoint/2012/main"/>
     </p:ext>
   </p:extLst>
 </p:presentation>
@@ -129,82 +138,20 @@
 <file path=ppt/changesInfos/changesInfo1.xml><?xml version="1.0" encoding="utf-8"?>
 <pc:chgInfo xmlns:a="http://schemas.openxmlformats.org/drawingml/2006/main" xmlns:r="http://schemas.openxmlformats.org/officeDocument/2006/relationships" xmlns:ac="http://schemas.microsoft.com/office/drawing/2013/main/command" xmlns:pc="http://schemas.microsoft.com/office/powerpoint/2013/main/command">
   <pc:docChgLst>
-    <pc:chgData name="Bill Troolin" userId="1e42d626cc5bfb19" providerId="LiveId" clId="{711EB754-4528-4689-A3EC-3AEC64C68855}"/>
-    <pc:docChg chg="modSld">
-      <pc:chgData name="Bill Troolin" userId="1e42d626cc5bfb19" providerId="LiveId" clId="{711EB754-4528-4689-A3EC-3AEC64C68855}" dt="2020-12-15T03:17:22.669" v="170" actId="20577"/>
+    <pc:chgData name="Bill Troolin" userId="1e42d626cc5bfb19" providerId="LiveId" clId="{31AAAE21-4C2B-4FD6-A50B-A828A6B2FFFD}"/>
+    <pc:docChg chg="custSel addSld modSld modSection">
+      <pc:chgData name="Bill Troolin" userId="1e42d626cc5bfb19" providerId="LiveId" clId="{31AAAE21-4C2B-4FD6-A50B-A828A6B2FFFD}" dt="2020-12-17T00:47:25.119" v="469" actId="20577"/>
       <pc:docMkLst>
         <pc:docMk/>
       </pc:docMkLst>
-      <pc:sldChg chg="addSp modSp mod setBg">
-        <pc:chgData name="Bill Troolin" userId="1e42d626cc5bfb19" providerId="LiveId" clId="{711EB754-4528-4689-A3EC-3AEC64C68855}" dt="2020-12-15T03:16:17.996" v="32"/>
-        <pc:sldMkLst>
-          <pc:docMk/>
-          <pc:sldMk cId="780680779" sldId="256"/>
-        </pc:sldMkLst>
-        <pc:spChg chg="mod">
-          <ac:chgData name="Bill Troolin" userId="1e42d626cc5bfb19" providerId="LiveId" clId="{711EB754-4528-4689-A3EC-3AEC64C68855}" dt="2020-12-15T03:15:56.999" v="26" actId="1076"/>
-          <ac:spMkLst>
-            <pc:docMk/>
-            <pc:sldMk cId="780680779" sldId="256"/>
-            <ac:spMk id="2" creationId="{6217D9C7-856D-43C9-B1E9-827F90D8DD24}"/>
-          </ac:spMkLst>
-        </pc:spChg>
-        <pc:spChg chg="mod">
-          <ac:chgData name="Bill Troolin" userId="1e42d626cc5bfb19" providerId="LiveId" clId="{711EB754-4528-4689-A3EC-3AEC64C68855}" dt="2020-12-15T03:16:00.512" v="27" actId="1076"/>
-          <ac:spMkLst>
-            <pc:docMk/>
-            <pc:sldMk cId="780680779" sldId="256"/>
-            <ac:spMk id="3" creationId="{B995158E-9558-4EA2-A920-DAD6D893639C}"/>
-          </ac:spMkLst>
-        </pc:spChg>
-        <pc:picChg chg="add mod">
-          <ac:chgData name="Bill Troolin" userId="1e42d626cc5bfb19" providerId="LiveId" clId="{711EB754-4528-4689-A3EC-3AEC64C68855}" dt="2020-12-15T03:16:07.904" v="31" actId="1076"/>
-          <ac:picMkLst>
-            <pc:docMk/>
-            <pc:sldMk cId="780680779" sldId="256"/>
-            <ac:picMk id="5" creationId="{BD39FEAD-67DE-4E7F-8D7E-A1B7B5C27D6C}"/>
-          </ac:picMkLst>
-        </pc:picChg>
-      </pc:sldChg>
-      <pc:sldChg chg="addSp modSp mod setBg">
-        <pc:chgData name="Bill Troolin" userId="1e42d626cc5bfb19" providerId="LiveId" clId="{711EB754-4528-4689-A3EC-3AEC64C68855}" dt="2020-12-15T03:16:24.355" v="33"/>
-        <pc:sldMkLst>
-          <pc:docMk/>
-          <pc:sldMk cId="259750548" sldId="257"/>
-        </pc:sldMkLst>
-        <pc:spChg chg="mod">
-          <ac:chgData name="Bill Troolin" userId="1e42d626cc5bfb19" providerId="LiveId" clId="{711EB754-4528-4689-A3EC-3AEC64C68855}" dt="2020-12-15T03:14:00.632" v="2" actId="6549"/>
-          <ac:spMkLst>
-            <pc:docMk/>
-            <pc:sldMk cId="259750548" sldId="257"/>
-            <ac:spMk id="3" creationId="{C1E50137-6CF8-401B-B59A-0FD41C214613}"/>
-          </ac:spMkLst>
-        </pc:spChg>
-        <pc:picChg chg="add mod">
-          <ac:chgData name="Bill Troolin" userId="1e42d626cc5bfb19" providerId="LiveId" clId="{711EB754-4528-4689-A3EC-3AEC64C68855}" dt="2020-12-15T03:14:10.608" v="6" actId="14100"/>
-          <ac:picMkLst>
-            <pc:docMk/>
-            <pc:sldMk cId="259750548" sldId="257"/>
-            <ac:picMk id="5" creationId="{9F82F2A3-B1F5-4242-AE2C-88D5C6905853}"/>
-          </ac:picMkLst>
-        </pc:picChg>
-        <pc:picChg chg="add mod">
-          <ac:chgData name="Bill Troolin" userId="1e42d626cc5bfb19" providerId="LiveId" clId="{711EB754-4528-4689-A3EC-3AEC64C68855}" dt="2020-12-15T03:14:42.304" v="9" actId="1076"/>
-          <ac:picMkLst>
-            <pc:docMk/>
-            <pc:sldMk cId="259750548" sldId="257"/>
-            <ac:picMk id="7" creationId="{CAD85BE0-5F19-4228-8CF8-3BD9857DDB03}"/>
-          </ac:picMkLst>
-        </pc:picChg>
-      </pc:sldChg>
-      <pc:sldChg chg="modSp mod setBg">
-        <pc:chgData name="Bill Troolin" userId="1e42d626cc5bfb19" providerId="LiveId" clId="{711EB754-4528-4689-A3EC-3AEC64C68855}" dt="2020-12-15T03:17:22.669" v="170" actId="20577"/>
+      <pc:sldChg chg="modSp mod">
+        <pc:chgData name="Bill Troolin" userId="1e42d626cc5bfb19" providerId="LiveId" clId="{31AAAE21-4C2B-4FD6-A50B-A828A6B2FFFD}" dt="2020-12-17T00:40:44.668" v="66" actId="20577"/>
         <pc:sldMkLst>
           <pc:docMk/>
           <pc:sldMk cId="4052927499" sldId="258"/>
         </pc:sldMkLst>
         <pc:spChg chg="mod">
-          <ac:chgData name="Bill Troolin" userId="1e42d626cc5bfb19" providerId="LiveId" clId="{711EB754-4528-4689-A3EC-3AEC64C68855}" dt="2020-12-15T03:17:22.669" v="170" actId="20577"/>
+          <ac:chgData name="Bill Troolin" userId="1e42d626cc5bfb19" providerId="LiveId" clId="{31AAAE21-4C2B-4FD6-A50B-A828A6B2FFFD}" dt="2020-12-17T00:40:44.668" v="66" actId="20577"/>
           <ac:spMkLst>
             <pc:docMk/>
             <pc:sldMk cId="4052927499" sldId="258"/>
@@ -212,19 +159,58 @@
           </ac:spMkLst>
         </pc:spChg>
       </pc:sldChg>
-      <pc:sldChg chg="setBg">
-        <pc:chgData name="Bill Troolin" userId="1e42d626cc5bfb19" providerId="LiveId" clId="{711EB754-4528-4689-A3EC-3AEC64C68855}" dt="2020-12-15T03:16:24.355" v="33"/>
+      <pc:sldChg chg="modSp mod">
+        <pc:chgData name="Bill Troolin" userId="1e42d626cc5bfb19" providerId="LiveId" clId="{31AAAE21-4C2B-4FD6-A50B-A828A6B2FFFD}" dt="2020-12-17T00:42:00.045" v="128" actId="20577"/>
         <pc:sldMkLst>
           <pc:docMk/>
           <pc:sldMk cId="1247904884" sldId="259"/>
         </pc:sldMkLst>
+        <pc:spChg chg="mod">
+          <ac:chgData name="Bill Troolin" userId="1e42d626cc5bfb19" providerId="LiveId" clId="{31AAAE21-4C2B-4FD6-A50B-A828A6B2FFFD}" dt="2020-12-17T00:42:00.045" v="128" actId="20577"/>
+          <ac:spMkLst>
+            <pc:docMk/>
+            <pc:sldMk cId="1247904884" sldId="259"/>
+            <ac:spMk id="3" creationId="{698B8DBE-F53C-4832-AC1F-D135F0DC550E}"/>
+          </ac:spMkLst>
+        </pc:spChg>
       </pc:sldChg>
-      <pc:sldChg chg="setBg">
-        <pc:chgData name="Bill Troolin" userId="1e42d626cc5bfb19" providerId="LiveId" clId="{711EB754-4528-4689-A3EC-3AEC64C68855}" dt="2020-12-15T03:16:24.355" v="33"/>
+      <pc:sldChg chg="modSp mod">
+        <pc:chgData name="Bill Troolin" userId="1e42d626cc5bfb19" providerId="LiveId" clId="{31AAAE21-4C2B-4FD6-A50B-A828A6B2FFFD}" dt="2020-12-17T00:39:35.243" v="20" actId="14100"/>
         <pc:sldMkLst>
           <pc:docMk/>
           <pc:sldMk cId="1288507908" sldId="260"/>
         </pc:sldMkLst>
+        <pc:spChg chg="mod">
+          <ac:chgData name="Bill Troolin" userId="1e42d626cc5bfb19" providerId="LiveId" clId="{31AAAE21-4C2B-4FD6-A50B-A828A6B2FFFD}" dt="2020-12-17T00:39:35.243" v="20" actId="14100"/>
+          <ac:spMkLst>
+            <pc:docMk/>
+            <pc:sldMk cId="1288507908" sldId="260"/>
+            <ac:spMk id="2" creationId="{D6987446-588D-4E10-89DA-74DD716EDEE7}"/>
+          </ac:spMkLst>
+        </pc:spChg>
+      </pc:sldChg>
+      <pc:sldChg chg="modSp new mod setBg">
+        <pc:chgData name="Bill Troolin" userId="1e42d626cc5bfb19" providerId="LiveId" clId="{31AAAE21-4C2B-4FD6-A50B-A828A6B2FFFD}" dt="2020-12-17T00:47:25.119" v="469" actId="20577"/>
+        <pc:sldMkLst>
+          <pc:docMk/>
+          <pc:sldMk cId="3501009855" sldId="264"/>
+        </pc:sldMkLst>
+        <pc:spChg chg="mod">
+          <ac:chgData name="Bill Troolin" userId="1e42d626cc5bfb19" providerId="LiveId" clId="{31AAAE21-4C2B-4FD6-A50B-A828A6B2FFFD}" dt="2020-12-17T00:46:07.642" v="399" actId="20577"/>
+          <ac:spMkLst>
+            <pc:docMk/>
+            <pc:sldMk cId="3501009855" sldId="264"/>
+            <ac:spMk id="2" creationId="{EEE38929-4432-496B-960B-0B3061CDABED}"/>
+          </ac:spMkLst>
+        </pc:spChg>
+        <pc:spChg chg="mod">
+          <ac:chgData name="Bill Troolin" userId="1e42d626cc5bfb19" providerId="LiveId" clId="{31AAAE21-4C2B-4FD6-A50B-A828A6B2FFFD}" dt="2020-12-17T00:47:25.119" v="469" actId="20577"/>
+          <ac:spMkLst>
+            <pc:docMk/>
+            <pc:sldMk cId="3501009855" sldId="264"/>
+            <ac:spMk id="3" creationId="{DFE2C5B7-39CD-4CB8-AAA6-AE4617EB409B}"/>
+          </ac:spMkLst>
+        </pc:spChg>
       </pc:sldChg>
     </pc:docChg>
   </pc:docChgLst>
@@ -378,7 +364,7 @@
           <a:p>
             <a:fld id="{BB1EF96E-087B-46AB-A0D4-21D6C6739210}" type="datetimeFigureOut">
               <a:rPr lang="en-US" smtClean="0"/>
-              <a:t>12/14/2020</a:t>
+              <a:t>12/16/2020</a:t>
             </a:fld>
             <a:endParaRPr lang="en-US"/>
           </a:p>
@@ -576,7 +562,7 @@
           <a:p>
             <a:fld id="{BB1EF96E-087B-46AB-A0D4-21D6C6739210}" type="datetimeFigureOut">
               <a:rPr lang="en-US" smtClean="0"/>
-              <a:t>12/14/2020</a:t>
+              <a:t>12/16/2020</a:t>
             </a:fld>
             <a:endParaRPr lang="en-US"/>
           </a:p>
@@ -784,7 +770,7 @@
           <a:p>
             <a:fld id="{BB1EF96E-087B-46AB-A0D4-21D6C6739210}" type="datetimeFigureOut">
               <a:rPr lang="en-US" smtClean="0"/>
-              <a:t>12/14/2020</a:t>
+              <a:t>12/16/2020</a:t>
             </a:fld>
             <a:endParaRPr lang="en-US"/>
           </a:p>
@@ -982,7 +968,7 @@
           <a:p>
             <a:fld id="{BB1EF96E-087B-46AB-A0D4-21D6C6739210}" type="datetimeFigureOut">
               <a:rPr lang="en-US" smtClean="0"/>
-              <a:t>12/14/2020</a:t>
+              <a:t>12/16/2020</a:t>
             </a:fld>
             <a:endParaRPr lang="en-US"/>
           </a:p>
@@ -1257,7 +1243,7 @@
           <a:p>
             <a:fld id="{BB1EF96E-087B-46AB-A0D4-21D6C6739210}" type="datetimeFigureOut">
               <a:rPr lang="en-US" smtClean="0"/>
-              <a:t>12/14/2020</a:t>
+              <a:t>12/16/2020</a:t>
             </a:fld>
             <a:endParaRPr lang="en-US"/>
           </a:p>
@@ -1522,7 +1508,7 @@
           <a:p>
             <a:fld id="{BB1EF96E-087B-46AB-A0D4-21D6C6739210}" type="datetimeFigureOut">
               <a:rPr lang="en-US" smtClean="0"/>
-              <a:t>12/14/2020</a:t>
+              <a:t>12/16/2020</a:t>
             </a:fld>
             <a:endParaRPr lang="en-US"/>
           </a:p>
@@ -1934,7 +1920,7 @@
           <a:p>
             <a:fld id="{BB1EF96E-087B-46AB-A0D4-21D6C6739210}" type="datetimeFigureOut">
               <a:rPr lang="en-US" smtClean="0"/>
-              <a:t>12/14/2020</a:t>
+              <a:t>12/16/2020</a:t>
             </a:fld>
             <a:endParaRPr lang="en-US"/>
           </a:p>
@@ -2075,7 +2061,7 @@
           <a:p>
             <a:fld id="{BB1EF96E-087B-46AB-A0D4-21D6C6739210}" type="datetimeFigureOut">
               <a:rPr lang="en-US" smtClean="0"/>
-              <a:t>12/14/2020</a:t>
+              <a:t>12/16/2020</a:t>
             </a:fld>
             <a:endParaRPr lang="en-US"/>
           </a:p>
@@ -2188,7 +2174,7 @@
           <a:p>
             <a:fld id="{BB1EF96E-087B-46AB-A0D4-21D6C6739210}" type="datetimeFigureOut">
               <a:rPr lang="en-US" smtClean="0"/>
-              <a:t>12/14/2020</a:t>
+              <a:t>12/16/2020</a:t>
             </a:fld>
             <a:endParaRPr lang="en-US"/>
           </a:p>
@@ -2499,7 +2485,7 @@
           <a:p>
             <a:fld id="{BB1EF96E-087B-46AB-A0D4-21D6C6739210}" type="datetimeFigureOut">
               <a:rPr lang="en-US" smtClean="0"/>
-              <a:t>12/14/2020</a:t>
+              <a:t>12/16/2020</a:t>
             </a:fld>
             <a:endParaRPr lang="en-US"/>
           </a:p>
@@ -2787,7 +2773,7 @@
           <a:p>
             <a:fld id="{BB1EF96E-087B-46AB-A0D4-21D6C6739210}" type="datetimeFigureOut">
               <a:rPr lang="en-US" smtClean="0"/>
-              <a:t>12/14/2020</a:t>
+              <a:t>12/16/2020</a:t>
             </a:fld>
             <a:endParaRPr lang="en-US"/>
           </a:p>
@@ -3028,7 +3014,7 @@
           <a:p>
             <a:fld id="{BB1EF96E-087B-46AB-A0D4-21D6C6739210}" type="datetimeFigureOut">
               <a:rPr lang="en-US" smtClean="0"/>
-              <a:t>12/14/2020</a:t>
+              <a:t>12/16/2020</a:t>
             </a:fld>
             <a:endParaRPr lang="en-US"/>
           </a:p>
@@ -3658,7 +3644,7 @@
           <a:p>
             <a:r>
               <a:rPr lang="en-US" dirty="0"/>
-              <a:t>Kaggle World Happiness Index</a:t>
+              <a:t>Kaggle: World Happiness Index</a:t>
             </a:r>
           </a:p>
           <a:p>
@@ -3862,23 +3848,27 @@
           <a:p>
             <a:r>
               <a:rPr lang="en-US" dirty="0"/>
-              <a:t>Removing empty cells</a:t>
-            </a:r>
+              <a:t>Removing empty or N/A cells</a:t>
+            </a:r>
+          </a:p>
+          <a:p>
+            <a:endParaRPr lang="en-US" dirty="0"/>
           </a:p>
           <a:p>
             <a:r>
               <a:rPr lang="en-US" dirty="0"/>
-              <a:t>Removing columns of years with no happiness index to compare to</a:t>
+              <a:t>Removing columns of years with no happiness index to compare to in long datasets</a:t>
+            </a:r>
+          </a:p>
+          <a:p>
+            <a:pPr lvl="1"/>
+            <a:r>
+              <a:rPr lang="en-US" dirty="0"/>
+              <a:t>Trimmed down 200 years of GDP data</a:t>
             </a:r>
           </a:p>
           <a:p>
             <a:endParaRPr lang="en-US" dirty="0"/>
-          </a:p>
-          <a:p>
-            <a:r>
-              <a:rPr lang="en-US" dirty="0"/>
-              <a:t>Experimenting with different formats to more easily read data into PostgreSQL (yearly tables vs one master table with yearly columns)</a:t>
-            </a:r>
           </a:p>
         </p:txBody>
       </p:sp>
@@ -3928,7 +3918,7 @@
           <p:cNvPr id="2" name="Title 1">
             <a:extLst>
               <a:ext uri="{FF2B5EF4-FFF2-40B4-BE49-F238E27FC236}">
-                <a16:creationId xmlns:a16="http://schemas.microsoft.com/office/drawing/2014/main" id="{E09D70A2-356F-4895-8E2C-93DF0853B5CC}"/>
+                <a16:creationId xmlns:a16="http://schemas.microsoft.com/office/drawing/2014/main" id="{FE261DD3-A7EA-4DB7-B1EF-679A0017AB23}"/>
               </a:ext>
             </a:extLst>
           </p:cNvPr>
@@ -3946,7 +3936,7 @@
           <a:p>
             <a:r>
               <a:rPr lang="en-US" dirty="0"/>
-              <a:t>Putting the data into SQL</a:t>
+              <a:t>Cleaning the Data Continued</a:t>
             </a:r>
           </a:p>
         </p:txBody>
@@ -3956,7 +3946,7 @@
           <p:cNvPr id="3" name="Content Placeholder 2">
             <a:extLst>
               <a:ext uri="{FF2B5EF4-FFF2-40B4-BE49-F238E27FC236}">
-                <a16:creationId xmlns:a16="http://schemas.microsoft.com/office/drawing/2014/main" id="{698B8DBE-F53C-4832-AC1F-D135F0DC550E}"/>
+                <a16:creationId xmlns:a16="http://schemas.microsoft.com/office/drawing/2014/main" id="{E8D6121E-1AE2-4242-85ED-8DDA398D1665}"/>
               </a:ext>
             </a:extLst>
           </p:cNvPr>
@@ -3974,91 +3964,43 @@
           <a:p>
             <a:r>
               <a:rPr lang="en-US" dirty="0"/>
-              <a:t>Import into PostgreSQL database</a:t>
-            </a:r>
+              <a:t>Combining CSV’s with yearly values from </a:t>
+            </a:r>
+            <a:r>
+              <a:rPr lang="en-US" dirty="0" err="1"/>
+              <a:t>gapminder</a:t>
+            </a:r>
+            <a:endParaRPr lang="en-US" dirty="0"/>
           </a:p>
           <a:p>
             <a:pPr lvl="1"/>
             <a:r>
               <a:rPr lang="en-US" dirty="0"/>
-              <a:t>Create tables for each year of happiness</a:t>
+              <a:t>1 csv file per year with combined happiness and socioeconomic data</a:t>
             </a:r>
           </a:p>
           <a:p>
             <a:pPr lvl="1"/>
             <a:r>
               <a:rPr lang="en-US" dirty="0"/>
-              <a:t>Create tables for other values</a:t>
-            </a:r>
-          </a:p>
-          <a:p>
-            <a:pPr lvl="2"/>
+              <a:t>Easier to analyze data this way</a:t>
+            </a:r>
+          </a:p>
+          <a:p>
+            <a:endParaRPr lang="en-US" dirty="0"/>
+          </a:p>
+          <a:p>
             <a:r>
               <a:rPr lang="en-US" dirty="0"/>
-              <a:t>Suicide</a:t>
-            </a:r>
-          </a:p>
-          <a:p>
-            <a:pPr lvl="2"/>
-            <a:r>
-              <a:rPr lang="en-US" dirty="0"/>
-              <a:t>Refugee rates</a:t>
-            </a:r>
-          </a:p>
-          <a:p>
-            <a:pPr lvl="2"/>
-            <a:r>
-              <a:rPr lang="en-US" dirty="0"/>
-              <a:t>Military budget</a:t>
-            </a:r>
-          </a:p>
-          <a:p>
-            <a:pPr lvl="2"/>
-            <a:r>
-              <a:rPr lang="en-US" dirty="0"/>
-              <a:t>Population growth </a:t>
-            </a:r>
-          </a:p>
-          <a:p>
-            <a:pPr lvl="2"/>
-            <a:endParaRPr lang="en-US" dirty="0"/>
-          </a:p>
-        </p:txBody>
-      </p:sp>
-      <p:pic>
-        <p:nvPicPr>
-          <p:cNvPr id="5" name="Picture 4">
-            <a:extLst>
-              <a:ext uri="{FF2B5EF4-FFF2-40B4-BE49-F238E27FC236}">
-                <a16:creationId xmlns:a16="http://schemas.microsoft.com/office/drawing/2014/main" id="{11A2DB91-AD10-4851-A9CB-A58C99C7F8B1}"/>
-              </a:ext>
-            </a:extLst>
-          </p:cNvPr>
-          <p:cNvPicPr>
-            <a:picLocks noChangeAspect="1"/>
-          </p:cNvPicPr>
-          <p:nvPr/>
-        </p:nvPicPr>
-        <p:blipFill>
-          <a:blip r:embed="rId2"/>
-          <a:stretch>
-            <a:fillRect/>
-          </a:stretch>
-        </p:blipFill>
-        <p:spPr>
-          <a:xfrm>
-            <a:off x="7798045" y="292475"/>
-            <a:ext cx="4114322" cy="5776959"/>
-          </a:xfrm>
-          <a:prstGeom prst="rect">
-            <a:avLst/>
-          </a:prstGeom>
-        </p:spPr>
-      </p:pic>
+              <a:t>Experimenting with different formats to more easily read data into PostgreSQL (yearly tables vs one master table with yearly columns)</a:t>
+            </a:r>
+          </a:p>
+        </p:txBody>
+      </p:sp>
     </p:spTree>
     <p:extLst>
       <p:ext uri="{BB962C8B-B14F-4D97-AF65-F5344CB8AC3E}">
-        <p14:creationId xmlns:p14="http://schemas.microsoft.com/office/powerpoint/2010/main" val="1247904884"/>
+        <p14:creationId xmlns:p14="http://schemas.microsoft.com/office/powerpoint/2010/main" val="4152023590"/>
       </p:ext>
     </p:extLst>
   </p:cSld>
@@ -4101,6 +4043,190 @@
           <p:cNvPr id="2" name="Title 1">
             <a:extLst>
               <a:ext uri="{FF2B5EF4-FFF2-40B4-BE49-F238E27FC236}">
+                <a16:creationId xmlns:a16="http://schemas.microsoft.com/office/drawing/2014/main" id="{E09D70A2-356F-4895-8E2C-93DF0853B5CC}"/>
+              </a:ext>
+            </a:extLst>
+          </p:cNvPr>
+          <p:cNvSpPr>
+            <a:spLocks noGrp="1"/>
+          </p:cNvSpPr>
+          <p:nvPr>
+            <p:ph type="title"/>
+          </p:nvPr>
+        </p:nvSpPr>
+        <p:spPr/>
+        <p:txBody>
+          <a:bodyPr/>
+          <a:lstStyle/>
+          <a:p>
+            <a:r>
+              <a:rPr lang="en-US" dirty="0"/>
+              <a:t>Putting the data into PGSQL</a:t>
+            </a:r>
+          </a:p>
+        </p:txBody>
+      </p:sp>
+      <p:sp>
+        <p:nvSpPr>
+          <p:cNvPr id="3" name="Content Placeholder 2">
+            <a:extLst>
+              <a:ext uri="{FF2B5EF4-FFF2-40B4-BE49-F238E27FC236}">
+                <a16:creationId xmlns:a16="http://schemas.microsoft.com/office/drawing/2014/main" id="{698B8DBE-F53C-4832-AC1F-D135F0DC550E}"/>
+              </a:ext>
+            </a:extLst>
+          </p:cNvPr>
+          <p:cNvSpPr>
+            <a:spLocks noGrp="1"/>
+          </p:cNvSpPr>
+          <p:nvPr>
+            <p:ph idx="1"/>
+          </p:nvPr>
+        </p:nvSpPr>
+        <p:spPr/>
+        <p:txBody>
+          <a:bodyPr/>
+          <a:lstStyle/>
+          <a:p>
+            <a:r>
+              <a:rPr lang="en-US" dirty="0"/>
+              <a:t>Import into PostgreSQL database</a:t>
+            </a:r>
+          </a:p>
+          <a:p>
+            <a:pPr lvl="1"/>
+            <a:r>
+              <a:rPr lang="en-US" dirty="0"/>
+              <a:t>Create tables for each year of happiness</a:t>
+            </a:r>
+          </a:p>
+          <a:p>
+            <a:pPr lvl="1"/>
+            <a:endParaRPr lang="en-US" dirty="0"/>
+          </a:p>
+          <a:p>
+            <a:pPr lvl="1"/>
+            <a:r>
+              <a:rPr lang="en-US" dirty="0"/>
+              <a:t>Tables include other values such as:</a:t>
+            </a:r>
+          </a:p>
+          <a:p>
+            <a:pPr lvl="2"/>
+            <a:r>
+              <a:rPr lang="en-US" dirty="0"/>
+              <a:t>Suicide</a:t>
+            </a:r>
+          </a:p>
+          <a:p>
+            <a:pPr lvl="2"/>
+            <a:r>
+              <a:rPr lang="en-US" dirty="0"/>
+              <a:t>Refugee rates</a:t>
+            </a:r>
+          </a:p>
+          <a:p>
+            <a:pPr lvl="2"/>
+            <a:r>
+              <a:rPr lang="en-US" dirty="0"/>
+              <a:t>Military budget</a:t>
+            </a:r>
+          </a:p>
+          <a:p>
+            <a:pPr lvl="2"/>
+            <a:r>
+              <a:rPr lang="en-US" dirty="0"/>
+              <a:t>Population growth </a:t>
+            </a:r>
+          </a:p>
+          <a:p>
+            <a:pPr lvl="2"/>
+            <a:r>
+              <a:rPr lang="en-US" dirty="0"/>
+              <a:t>Children out of school</a:t>
+            </a:r>
+          </a:p>
+          <a:p>
+            <a:pPr lvl="2"/>
+            <a:endParaRPr lang="en-US" dirty="0"/>
+          </a:p>
+        </p:txBody>
+      </p:sp>
+      <p:pic>
+        <p:nvPicPr>
+          <p:cNvPr id="5" name="Picture 4">
+            <a:extLst>
+              <a:ext uri="{FF2B5EF4-FFF2-40B4-BE49-F238E27FC236}">
+                <a16:creationId xmlns:a16="http://schemas.microsoft.com/office/drawing/2014/main" id="{11A2DB91-AD10-4851-A9CB-A58C99C7F8B1}"/>
+              </a:ext>
+            </a:extLst>
+          </p:cNvPr>
+          <p:cNvPicPr>
+            <a:picLocks noChangeAspect="1"/>
+          </p:cNvPicPr>
+          <p:nvPr/>
+        </p:nvPicPr>
+        <p:blipFill>
+          <a:blip r:embed="rId2"/>
+          <a:stretch>
+            <a:fillRect/>
+          </a:stretch>
+        </p:blipFill>
+        <p:spPr>
+          <a:xfrm>
+            <a:off x="7798045" y="292475"/>
+            <a:ext cx="4114322" cy="5776959"/>
+          </a:xfrm>
+          <a:prstGeom prst="rect">
+            <a:avLst/>
+          </a:prstGeom>
+        </p:spPr>
+      </p:pic>
+    </p:spTree>
+    <p:extLst>
+      <p:ext uri="{BB962C8B-B14F-4D97-AF65-F5344CB8AC3E}">
+        <p14:creationId xmlns:p14="http://schemas.microsoft.com/office/powerpoint/2010/main" val="1247904884"/>
+      </p:ext>
+    </p:extLst>
+  </p:cSld>
+  <p:clrMapOvr>
+    <a:masterClrMapping/>
+  </p:clrMapOvr>
+</p:sld>
+</file>
+
+<file path=ppt/slides/slide6.xml><?xml version="1.0" encoding="utf-8"?>
+<p:sld xmlns:a="http://schemas.openxmlformats.org/drawingml/2006/main" xmlns:r="http://schemas.openxmlformats.org/officeDocument/2006/relationships" xmlns:p="http://schemas.openxmlformats.org/presentationml/2006/main">
+  <p:cSld>
+    <p:bg>
+      <p:bgPr>
+        <a:solidFill>
+          <a:schemeClr val="accent5">
+            <a:lumMod val="40000"/>
+            <a:lumOff val="60000"/>
+          </a:schemeClr>
+        </a:solidFill>
+        <a:effectLst/>
+      </p:bgPr>
+    </p:bg>
+    <p:spTree>
+      <p:nvGrpSpPr>
+        <p:cNvPr id="1" name=""/>
+        <p:cNvGrpSpPr/>
+        <p:nvPr/>
+      </p:nvGrpSpPr>
+      <p:grpSpPr>
+        <a:xfrm>
+          <a:off x="0" y="0"/>
+          <a:ext cx="0" cy="0"/>
+          <a:chOff x="0" y="0"/>
+          <a:chExt cx="0" cy="0"/>
+        </a:xfrm>
+      </p:grpSpPr>
+      <p:sp>
+        <p:nvSpPr>
+          <p:cNvPr id="2" name="Title 1">
+            <a:extLst>
+              <a:ext uri="{FF2B5EF4-FFF2-40B4-BE49-F238E27FC236}">
                 <a16:creationId xmlns:a16="http://schemas.microsoft.com/office/drawing/2014/main" id="{D6987446-588D-4E10-89DA-74DD716EDEE7}"/>
               </a:ext>
             </a:extLst>
@@ -4112,14 +4238,19 @@
             <p:ph type="title"/>
           </p:nvPr>
         </p:nvSpPr>
-        <p:spPr/>
+        <p:spPr>
+          <a:xfrm>
+            <a:off x="838200" y="365125"/>
+            <a:ext cx="10847664" cy="1325563"/>
+          </a:xfrm>
+        </p:spPr>
         <p:txBody>
           <a:bodyPr/>
           <a:lstStyle/>
           <a:p>
             <a:r>
               <a:rPr lang="en-US" dirty="0"/>
-              <a:t>Creating Tables for happiness etc.</a:t>
+              <a:t>Creating Tables for happiness and related data</a:t>
             </a:r>
           </a:p>
         </p:txBody>
@@ -4157,6 +4288,270 @@
     <p:extLst>
       <p:ext uri="{BB962C8B-B14F-4D97-AF65-F5344CB8AC3E}">
         <p14:creationId xmlns:p14="http://schemas.microsoft.com/office/powerpoint/2010/main" val="1288507908"/>
+      </p:ext>
+    </p:extLst>
+  </p:cSld>
+  <p:clrMapOvr>
+    <a:masterClrMapping/>
+  </p:clrMapOvr>
+</p:sld>
+</file>
+
+<file path=ppt/slides/slide7.xml><?xml version="1.0" encoding="utf-8"?>
+<p:sld xmlns:a="http://schemas.openxmlformats.org/drawingml/2006/main" xmlns:r="http://schemas.openxmlformats.org/officeDocument/2006/relationships" xmlns:p="http://schemas.openxmlformats.org/presentationml/2006/main">
+  <p:cSld>
+    <p:bg>
+      <p:bgPr>
+        <a:solidFill>
+          <a:schemeClr val="accent5">
+            <a:lumMod val="40000"/>
+            <a:lumOff val="60000"/>
+          </a:schemeClr>
+        </a:solidFill>
+        <a:effectLst/>
+      </p:bgPr>
+    </p:bg>
+    <p:spTree>
+      <p:nvGrpSpPr>
+        <p:cNvPr id="1" name=""/>
+        <p:cNvGrpSpPr/>
+        <p:nvPr/>
+      </p:nvGrpSpPr>
+      <p:grpSpPr>
+        <a:xfrm>
+          <a:off x="0" y="0"/>
+          <a:ext cx="0" cy="0"/>
+          <a:chOff x="0" y="0"/>
+          <a:chExt cx="0" cy="0"/>
+        </a:xfrm>
+      </p:grpSpPr>
+      <p:sp>
+        <p:nvSpPr>
+          <p:cNvPr id="2" name="Title 1">
+            <a:extLst>
+              <a:ext uri="{FF2B5EF4-FFF2-40B4-BE49-F238E27FC236}">
+                <a16:creationId xmlns:a16="http://schemas.microsoft.com/office/drawing/2014/main" id="{EEE38929-4432-496B-960B-0B3061CDABED}"/>
+              </a:ext>
+            </a:extLst>
+          </p:cNvPr>
+          <p:cNvSpPr>
+            <a:spLocks noGrp="1"/>
+          </p:cNvSpPr>
+          <p:nvPr>
+            <p:ph type="title"/>
+          </p:nvPr>
+        </p:nvSpPr>
+        <p:spPr/>
+        <p:txBody>
+          <a:bodyPr/>
+          <a:lstStyle/>
+          <a:p>
+            <a:r>
+              <a:rPr lang="en-US" dirty="0"/>
+              <a:t>Questions &amp; Shortcomings</a:t>
+            </a:r>
+          </a:p>
+        </p:txBody>
+      </p:sp>
+      <p:sp>
+        <p:nvSpPr>
+          <p:cNvPr id="3" name="Content Placeholder 2">
+            <a:extLst>
+              <a:ext uri="{FF2B5EF4-FFF2-40B4-BE49-F238E27FC236}">
+                <a16:creationId xmlns:a16="http://schemas.microsoft.com/office/drawing/2014/main" id="{DFE2C5B7-39CD-4CB8-AAA6-AE4617EB409B}"/>
+              </a:ext>
+            </a:extLst>
+          </p:cNvPr>
+          <p:cNvSpPr>
+            <a:spLocks noGrp="1"/>
+          </p:cNvSpPr>
+          <p:nvPr>
+            <p:ph idx="1"/>
+          </p:nvPr>
+        </p:nvSpPr>
+        <p:spPr/>
+        <p:txBody>
+          <a:bodyPr/>
+          <a:lstStyle/>
+          <a:p>
+            <a:r>
+              <a:rPr lang="en-US" dirty="0"/>
+              <a:t>Other questions to ask:</a:t>
+            </a:r>
+          </a:p>
+          <a:p>
+            <a:pPr lvl="1"/>
+            <a:r>
+              <a:rPr lang="en-US" dirty="0"/>
+              <a:t>What factors are the largest impactors of happiness?</a:t>
+            </a:r>
+          </a:p>
+          <a:p>
+            <a:pPr lvl="2"/>
+            <a:r>
+              <a:rPr lang="en-US" dirty="0"/>
+              <a:t>Are the factors the same over space and time?</a:t>
+            </a:r>
+          </a:p>
+          <a:p>
+            <a:pPr lvl="2"/>
+            <a:r>
+              <a:rPr lang="en-US" dirty="0"/>
+              <a:t>Why does the corruption index impact happiness the way it does?</a:t>
+            </a:r>
+          </a:p>
+          <a:p>
+            <a:pPr lvl="2"/>
+            <a:endParaRPr lang="en-US" dirty="0"/>
+          </a:p>
+          <a:p>
+            <a:r>
+              <a:rPr lang="en-US" dirty="0"/>
+              <a:t>Potential shortcomings:</a:t>
+            </a:r>
+          </a:p>
+          <a:p>
+            <a:pPr lvl="1"/>
+            <a:r>
+              <a:rPr lang="en-US" dirty="0"/>
+              <a:t>Happiness index is based on a list of variables; may not be all inclusive</a:t>
+            </a:r>
+          </a:p>
+          <a:p>
+            <a:pPr lvl="1"/>
+            <a:endParaRPr lang="en-US" dirty="0"/>
+          </a:p>
+          <a:p>
+            <a:pPr lvl="1"/>
+            <a:endParaRPr lang="en-US" dirty="0"/>
+          </a:p>
+          <a:p>
+            <a:pPr lvl="1"/>
+            <a:endParaRPr lang="en-US" dirty="0"/>
+          </a:p>
+        </p:txBody>
+      </p:sp>
+    </p:spTree>
+    <p:extLst>
+      <p:ext uri="{BB962C8B-B14F-4D97-AF65-F5344CB8AC3E}">
+        <p14:creationId xmlns:p14="http://schemas.microsoft.com/office/powerpoint/2010/main" val="3501009855"/>
+      </p:ext>
+    </p:extLst>
+  </p:cSld>
+  <p:clrMapOvr>
+    <a:masterClrMapping/>
+  </p:clrMapOvr>
+</p:sld>
+</file>
+
+<file path=ppt/slides/slide8.xml><?xml version="1.0" encoding="utf-8"?>
+<p:sld xmlns:a="http://schemas.openxmlformats.org/drawingml/2006/main" xmlns:r="http://schemas.openxmlformats.org/officeDocument/2006/relationships" xmlns:p="http://schemas.openxmlformats.org/presentationml/2006/main">
+  <p:cSld>
+    <p:bg>
+      <p:bgPr>
+        <a:solidFill>
+          <a:schemeClr val="accent5">
+            <a:lumMod val="40000"/>
+            <a:lumOff val="60000"/>
+          </a:schemeClr>
+        </a:solidFill>
+        <a:effectLst/>
+      </p:bgPr>
+    </p:bg>
+    <p:spTree>
+      <p:nvGrpSpPr>
+        <p:cNvPr id="1" name=""/>
+        <p:cNvGrpSpPr/>
+        <p:nvPr/>
+      </p:nvGrpSpPr>
+      <p:grpSpPr>
+        <a:xfrm>
+          <a:off x="0" y="0"/>
+          <a:ext cx="0" cy="0"/>
+          <a:chOff x="0" y="0"/>
+          <a:chExt cx="0" cy="0"/>
+        </a:xfrm>
+      </p:grpSpPr>
+      <p:sp>
+        <p:nvSpPr>
+          <p:cNvPr id="2" name="Title 1">
+            <a:extLst>
+              <a:ext uri="{FF2B5EF4-FFF2-40B4-BE49-F238E27FC236}">
+                <a16:creationId xmlns:a16="http://schemas.microsoft.com/office/drawing/2014/main" id="{AC0D6DD3-BB88-4934-96BC-174B6136FDDE}"/>
+              </a:ext>
+            </a:extLst>
+          </p:cNvPr>
+          <p:cNvSpPr>
+            <a:spLocks noGrp="1"/>
+          </p:cNvSpPr>
+          <p:nvPr>
+            <p:ph type="title"/>
+          </p:nvPr>
+        </p:nvSpPr>
+        <p:spPr/>
+        <p:txBody>
+          <a:bodyPr/>
+          <a:lstStyle/>
+          <a:p>
+            <a:pPr algn="ctr"/>
+            <a:r>
+              <a:rPr lang="en-US" dirty="0"/>
+              <a:t>Questions?</a:t>
+            </a:r>
+          </a:p>
+        </p:txBody>
+      </p:sp>
+      <p:pic>
+        <p:nvPicPr>
+          <p:cNvPr id="1026" name="Picture 2" descr="Question Mark, Knowledge, Question, Sign, Symbol, Mark">
+            <a:extLst>
+              <a:ext uri="{FF2B5EF4-FFF2-40B4-BE49-F238E27FC236}">
+                <a16:creationId xmlns:a16="http://schemas.microsoft.com/office/drawing/2014/main" id="{DFD80A43-9C2E-46C2-8491-82DEDD85D9D2}"/>
+              </a:ext>
+            </a:extLst>
+          </p:cNvPr>
+          <p:cNvPicPr>
+            <a:picLocks noChangeAspect="1" noChangeArrowheads="1"/>
+          </p:cNvPicPr>
+          <p:nvPr/>
+        </p:nvPicPr>
+        <p:blipFill>
+          <a:blip r:embed="rId2">
+            <a:extLst>
+              <a:ext uri="{28A0092B-C50C-407E-A947-70E740481C1C}">
+                <a14:useLocalDpi xmlns:a14="http://schemas.microsoft.com/office/drawing/2010/main" val="0"/>
+              </a:ext>
+            </a:extLst>
+          </a:blip>
+          <a:srcRect/>
+          <a:stretch>
+            <a:fillRect/>
+          </a:stretch>
+        </p:blipFill>
+        <p:spPr bwMode="auto">
+          <a:xfrm>
+            <a:off x="2165739" y="1791477"/>
+            <a:ext cx="8063721" cy="4535843"/>
+          </a:xfrm>
+          <a:prstGeom prst="rect">
+            <a:avLst/>
+          </a:prstGeom>
+          <a:noFill/>
+          <a:extLst>
+            <a:ext uri="{909E8E84-426E-40DD-AFC4-6F175D3DCCD1}">
+              <a14:hiddenFill xmlns:a14="http://schemas.microsoft.com/office/drawing/2010/main">
+                <a:solidFill>
+                  <a:srgbClr val="FFFFFF"/>
+                </a:solidFill>
+              </a14:hiddenFill>
+            </a:ext>
+          </a:extLst>
+        </p:spPr>
+      </p:pic>
+    </p:spTree>
+    <p:extLst>
+      <p:ext uri="{BB962C8B-B14F-4D97-AF65-F5344CB8AC3E}">
+        <p14:creationId xmlns:p14="http://schemas.microsoft.com/office/powerpoint/2010/main" val="1744313612"/>
       </p:ext>
     </p:extLst>
   </p:cSld>
